--- a/doc/G-suite_review_2 ppt (1).pptx
+++ b/doc/G-suite_review_2 ppt (1).pptx
@@ -15473,9 +15473,8 @@
             </a:r>
           </a:p>
           <a:p>
-            <a:pPr marL="914400" lvl="1" indent="-514350">
-              <a:buFont typeface="+mj-lt"/>
-              <a:buAutoNum type="arabicPeriod"/>
+            <a:pPr marL="400050" lvl="1" indent="0">
+              <a:buNone/>
             </a:pPr>
             <a:r>
               <a:rPr lang="en-US" sz="1600" dirty="0" err="1"/>
@@ -15487,9 +15486,8 @@
             </a:r>
           </a:p>
           <a:p>
-            <a:pPr marL="914400" lvl="1" indent="-514350">
-              <a:buFont typeface="+mj-lt"/>
-              <a:buAutoNum type="arabicPeriod"/>
+            <a:pPr marL="400050" lvl="1" indent="0">
+              <a:buNone/>
             </a:pPr>
             <a:r>
               <a:rPr lang="en-US" sz="1600" dirty="0"/>
@@ -15497,9 +15495,8 @@
             </a:r>
           </a:p>
           <a:p>
-            <a:pPr marL="914400" lvl="1" indent="-514350">
-              <a:buFont typeface="+mj-lt"/>
-              <a:buAutoNum type="arabicPeriod"/>
+            <a:pPr marL="400050" lvl="1" indent="0">
+              <a:buNone/>
             </a:pPr>
             <a:r>
               <a:rPr lang="en-US" sz="1600" dirty="0" err="1"/>
@@ -15508,9 +15505,8 @@
             <a:endParaRPr lang="en-US" sz="1600" dirty="0"/>
           </a:p>
           <a:p>
-            <a:pPr marL="914400" lvl="1" indent="-514350">
-              <a:buFont typeface="+mj-lt"/>
-              <a:buAutoNum type="arabicPeriod"/>
+            <a:pPr marL="400050" lvl="1" indent="0">
+              <a:buNone/>
             </a:pPr>
             <a:r>
               <a:rPr lang="en-US" sz="1600" dirty="0" err="1"/>
@@ -15519,9 +15515,8 @@
             <a:endParaRPr lang="en-US" sz="1600" dirty="0"/>
           </a:p>
           <a:p>
-            <a:pPr marL="914400" lvl="1" indent="-514350">
-              <a:buFont typeface="+mj-lt"/>
-              <a:buAutoNum type="arabicPeriod"/>
+            <a:pPr marL="400050" lvl="1" indent="0">
+              <a:buNone/>
             </a:pPr>
             <a:r>
               <a:rPr lang="en-US" sz="1600" dirty="0" err="1"/>
@@ -15530,9 +15525,8 @@
             <a:endParaRPr lang="en-US" sz="1600" dirty="0"/>
           </a:p>
           <a:p>
-            <a:pPr marL="914400" lvl="1" indent="-514350">
-              <a:buFont typeface="+mj-lt"/>
-              <a:buAutoNum type="arabicPeriod"/>
+            <a:pPr marL="400050" lvl="1" indent="0">
+              <a:buNone/>
             </a:pPr>
             <a:r>
               <a:rPr lang="en-US" sz="1600" dirty="0" err="1"/>
@@ -15828,8 +15822,8 @@
         </p:blipFill>
         <p:spPr bwMode="auto">
           <a:xfrm>
-            <a:off x="1059784" y="2724455"/>
-            <a:ext cx="2901395" cy="1985658"/>
+            <a:off x="1059784" y="3058245"/>
+            <a:ext cx="2901395" cy="1651868"/>
           </a:xfrm>
           <a:prstGeom prst="rect">
             <a:avLst/>
@@ -15875,8 +15869,8 @@
         </p:blipFill>
         <p:spPr bwMode="auto">
           <a:xfrm>
-            <a:off x="4113885" y="2724455"/>
-            <a:ext cx="3705225" cy="1908844"/>
+            <a:off x="4113885" y="3058245"/>
+            <a:ext cx="3705225" cy="1575054"/>
           </a:xfrm>
           <a:prstGeom prst="rect">
             <a:avLst/>
@@ -16191,8 +16185,8 @@
         </p:blipFill>
         <p:spPr bwMode="auto">
           <a:xfrm>
-            <a:off x="754375" y="2266339"/>
-            <a:ext cx="2137870" cy="2290575"/>
+            <a:off x="754375" y="2504994"/>
+            <a:ext cx="2137870" cy="2051919"/>
           </a:xfrm>
           <a:prstGeom prst="rect">
             <a:avLst/>
@@ -16238,8 +16232,8 @@
         </p:blipFill>
         <p:spPr bwMode="auto">
           <a:xfrm>
-            <a:off x="2892246" y="2266340"/>
-            <a:ext cx="2595984" cy="2290574"/>
+            <a:off x="2892246" y="2504994"/>
+            <a:ext cx="2595984" cy="2051920"/>
           </a:xfrm>
           <a:prstGeom prst="rect">
             <a:avLst/>
@@ -16285,8 +16279,8 @@
         </p:blipFill>
         <p:spPr bwMode="auto">
           <a:xfrm>
-            <a:off x="5488229" y="2266340"/>
-            <a:ext cx="2595985" cy="2290573"/>
+            <a:off x="5488229" y="2504993"/>
+            <a:ext cx="2595985" cy="2051920"/>
           </a:xfrm>
           <a:prstGeom prst="rect">
             <a:avLst/>
@@ -17061,8 +17055,8 @@
         </p:blipFill>
         <p:spPr bwMode="auto">
           <a:xfrm>
-            <a:off x="1062037" y="2113635"/>
-            <a:ext cx="3357258" cy="2668332"/>
+            <a:off x="1062037" y="2259449"/>
+            <a:ext cx="3357258" cy="2522517"/>
           </a:xfrm>
           <a:prstGeom prst="rect">
             <a:avLst/>
@@ -17108,8 +17102,8 @@
         </p:blipFill>
         <p:spPr bwMode="auto">
           <a:xfrm>
-            <a:off x="4419295" y="2113635"/>
-            <a:ext cx="3591230" cy="2691727"/>
+            <a:off x="4419295" y="2259449"/>
+            <a:ext cx="3591230" cy="2545913"/>
           </a:xfrm>
           <a:prstGeom prst="rect">
             <a:avLst/>
@@ -17293,8 +17287,8 @@
         </p:blipFill>
         <p:spPr>
           <a:xfrm>
-            <a:off x="601670" y="2113635"/>
-            <a:ext cx="7329841" cy="1409514"/>
+            <a:off x="601670" y="2301507"/>
+            <a:ext cx="7329841" cy="1221641"/>
           </a:xfrm>
           <a:prstGeom prst="rect">
             <a:avLst/>
@@ -17475,8 +17469,8 @@
         </p:blipFill>
         <p:spPr bwMode="auto">
           <a:xfrm>
-            <a:off x="1212490" y="2724454"/>
-            <a:ext cx="6480535" cy="2419045"/>
+            <a:off x="1212490" y="2835408"/>
+            <a:ext cx="6480535" cy="2308091"/>
           </a:xfrm>
           <a:prstGeom prst="rect">
             <a:avLst/>
@@ -21662,7 +21656,7 @@
           </a:ln>
           <a:extLst>
             <a:ext uri="{C572A759-6A51-4108-AA02-DFA0A04FC94B}">
-              <ma14:wrappingTextBoxFlag xmlns="" xmlns:m="http://schemas.openxmlformats.org/officeDocument/2006/math" xmlns:a14="http://schemas.microsoft.com/office/drawing/2010/main" xmlns:ma14="http://schemas.microsoft.com/office/mac/drawingml/2011/main" val="1"/>
+              <ma14:wrappingTextBoxFlag xmlns:ma14="http://schemas.microsoft.com/office/mac/drawingml/2011/main" xmlns:a14="http://schemas.microsoft.com/office/drawing/2010/main" xmlns:m="http://schemas.openxmlformats.org/officeDocument/2006/math" xmlns="" val="1"/>
             </a:ext>
           </a:extLst>
         </p:spPr>

--- a/doc/G-suite_review_2 ppt (1).pptx
+++ b/doc/G-suite_review_2 ppt (1).pptx
@@ -20999,7 +20999,7 @@
             </a:pPr>
             <a:r>
               <a:rPr lang="en-US" sz="1800" dirty="0"/>
-              <a:t>	Result: p-value of 0.01, significantly lower than</a:t>
+              <a:t>	Result: p-value of 0.27,  is greater than</a:t>
             </a:r>
             <a:endParaRPr sz="1800" dirty="0"/>
           </a:p>
@@ -21015,7 +21015,7 @@
             </a:pPr>
             <a:r>
               <a:rPr lang="en-US" sz="1800" dirty="0"/>
-              <a:t>     .025. reject null hypothesis, conclude</a:t>
+              <a:t>     .025. accept null hypothesis, conclude</a:t>
             </a:r>
             <a:endParaRPr sz="1800" dirty="0"/>
           </a:p>
@@ -21031,7 +21031,7 @@
             </a:pPr>
             <a:r>
               <a:rPr lang="en-US" sz="1800" dirty="0"/>
-              <a:t>     third week of month is significantly </a:t>
+              <a:t>     third week of month is not significantly </a:t>
             </a:r>
             <a:endParaRPr sz="1800" dirty="0"/>
           </a:p>
@@ -21047,23 +21047,11 @@
             </a:pPr>
             <a:r>
               <a:rPr lang="en-US" sz="1800" dirty="0"/>
-              <a:t>     different.  Mean for third week is 10750</a:t>
+              <a:t>     different</a:t>
             </a:r>
-            <a:endParaRPr sz="1800" dirty="0"/>
-          </a:p>
-          <a:p>
-            <a:pPr marL="914400" lvl="0" indent="0" algn="l" rtl="0">
-              <a:spcBef>
-                <a:spcPts val="560"/>
-              </a:spcBef>
-              <a:spcAft>
-                <a:spcPts val="0"/>
-              </a:spcAft>
-              <a:buNone/>
-            </a:pPr>
             <a:r>
-              <a:rPr lang="en-US" sz="1800" dirty="0"/>
-              <a:t>     Mean for rest of weeks 11193. </a:t>
+              <a:rPr lang="en-US" sz="1800"/>
+              <a:t>. </a:t>
             </a:r>
             <a:endParaRPr sz="1800" dirty="0"/>
           </a:p>
@@ -21656,7 +21644,7 @@
           </a:ln>
           <a:extLst>
             <a:ext uri="{C572A759-6A51-4108-AA02-DFA0A04FC94B}">
-              <ma14:wrappingTextBoxFlag xmlns:ma14="http://schemas.microsoft.com/office/mac/drawingml/2011/main" xmlns:a14="http://schemas.microsoft.com/office/drawing/2010/main" xmlns:m="http://schemas.openxmlformats.org/officeDocument/2006/math" xmlns="" val="1"/>
+              <ma14:wrappingTextBoxFlag xmlns="" xmlns:m="http://schemas.openxmlformats.org/officeDocument/2006/math" xmlns:a14="http://schemas.microsoft.com/office/drawing/2010/main" xmlns:ma14="http://schemas.microsoft.com/office/mac/drawingml/2011/main" val="1"/>
             </a:ext>
           </a:extLst>
         </p:spPr>
